--- a/DersSunuları/4.Hafta.pptx
+++ b/DersSunuları/4.Hafta.pptx
@@ -268,7 +268,7 @@
             <a:pPr rtl="0"/>
             <a:fld id="{DB640EDB-8696-4821-9977-ADF2EA20DA76}" type="datetime1">
               <a:rPr lang="tr-TR" smtClean="0"/>
-              <a:t>11.03.2025</a:t>
+              <a:t>19.03.2025</a:t>
             </a:fld>
             <a:endParaRPr lang="tr-TR" dirty="0"/>
           </a:p>
@@ -438,7 +438,7 @@
             <a:pPr rtl="0"/>
             <a:fld id="{175B46EE-8D9E-4234-843E-EA54547AD9AE}" type="datetime1">
               <a:rPr lang="tr-TR" noProof="0" smtClean="0"/>
-              <a:t>11.03.2025</a:t>
+              <a:t>19.03.2025</a:t>
             </a:fld>
             <a:endParaRPr lang="tr-TR" noProof="0" dirty="0"/>
           </a:p>
@@ -1515,7 +1515,7 @@
             <a:pPr rtl="0"/>
             <a:fld id="{5FAED58F-EB5B-4A36-96E7-60A39EA93EB2}" type="datetime1">
               <a:rPr lang="tr-TR" noProof="0" smtClean="0"/>
-              <a:t>11.03.2025</a:t>
+              <a:t>19.03.2025</a:t>
             </a:fld>
             <a:endParaRPr lang="tr-TR" noProof="0" dirty="0"/>
           </a:p>
@@ -2145,7 +2145,7 @@
             <a:pPr rtl="0"/>
             <a:fld id="{B79A2361-2820-4F23-9FB2-E2B2AB16E0CA}" type="datetime1">
               <a:rPr lang="tr-TR" noProof="0" smtClean="0"/>
-              <a:t>11.03.2025</a:t>
+              <a:t>19.03.2025</a:t>
             </a:fld>
             <a:endParaRPr lang="tr-TR" noProof="0" dirty="0"/>
           </a:p>
@@ -5885,11 +5885,7 @@
             <a:pPr algn="ctr"/>
             <a:r>
               <a:rPr lang="tr-TR" dirty="0" err="1" smtClean="0"/>
-              <a:t>DataAccess</a:t>
-            </a:r>
-            <a:r>
-              <a:rPr lang="tr-TR" dirty="0" err="1" smtClean="0"/>
-              <a:t>Layer</a:t>
+              <a:t>DataAccessLayer</a:t>
             </a:r>
             <a:endParaRPr lang="tr-TR" dirty="0"/>
           </a:p>
@@ -6332,11 +6328,7 @@
             </a:r>
             <a:r>
               <a:rPr lang="tr-TR" sz="1600" dirty="0" smtClean="0"/>
-              <a:t>Veri tabanı kaynak olarak belirlenir.  İlk değişiklik veri tabanında yapılır sonrasında oradaki değişiklikler modele aktarılır</a:t>
-            </a:r>
-            <a:r>
-              <a:rPr lang="tr-TR" sz="1600" dirty="0" smtClean="0"/>
-              <a:t>. Hazırda veri tabanı varsa onun için daha uygundur.</a:t>
+              <a:t>Veri tabanı kaynak olarak belirlenir.  İlk değişiklik veri tabanında yapılır sonrasında oradaki değişiklikler modele aktarılır. Hazırda veri tabanı varsa onun için daha uygundur.</a:t>
             </a:r>
             <a:endParaRPr lang="tr-TR" sz="1600" b="1" dirty="0" smtClean="0"/>
           </a:p>
@@ -6351,13 +6343,8 @@
             </a:r>
             <a:r>
               <a:rPr lang="tr-TR" sz="1600" dirty="0" smtClean="0"/>
-              <a:t>Önce modeller oluşturulur ve bu modeller üzerinden veri tabanı oluşturulur</a:t>
-            </a:r>
-            <a:r>
-              <a:rPr lang="tr-TR" sz="1600" dirty="0" smtClean="0"/>
-              <a:t>. Görsel tasarım araçlarıyla oluşturulur.</a:t>
-            </a:r>
-            <a:endParaRPr lang="tr-TR" sz="1600" dirty="0" smtClean="0"/>
+              <a:t>Önce modeller oluşturulur ve bu modeller üzerinden veri tabanı oluşturulur. Görsel tasarım araçlarıyla oluşturulur.</a:t>
+            </a:r>
           </a:p>
           <a:p>
             <a:pPr marL="171450" indent="-171450">
@@ -6390,11 +6377,7 @@
             </a:r>
             <a:r>
               <a:rPr lang="tr-TR" sz="1600" dirty="0" smtClean="0"/>
-              <a:t> işlemleriyle koddaki değişiklik veri tabanına yansıtılır</a:t>
-            </a:r>
-            <a:r>
-              <a:rPr lang="tr-TR" sz="1600" dirty="0" smtClean="0"/>
-              <a:t>.  Veri tabanı yeniden </a:t>
+              <a:t> işlemleriyle koddaki değişiklik veri tabanına yansıtılır.  Veri tabanı yeniden </a:t>
             </a:r>
             <a:r>
               <a:rPr lang="tr-TR" sz="1600" dirty="0" err="1" smtClean="0"/>
@@ -6404,7 +6387,6 @@
               <a:rPr lang="tr-TR" sz="1600" dirty="0" smtClean="0"/>
               <a:t> edilecekse  kullanımı uygundur.</a:t>
             </a:r>
-            <a:endParaRPr lang="tr-TR" sz="1600" dirty="0" smtClean="0"/>
           </a:p>
         </p:txBody>
       </p:sp>
@@ -10359,15 +10341,7 @@
             </a:pPr>
             <a:r>
               <a:rPr lang="tr-TR" dirty="0" smtClean="0"/>
-              <a:t>Ders kapsamında geliştirilecek olan örnek </a:t>
-            </a:r>
-            <a:r>
-              <a:rPr lang="tr-TR" dirty="0" smtClean="0"/>
-              <a:t>proje mimarisi </a:t>
-            </a:r>
-            <a:r>
-              <a:rPr lang="tr-TR" dirty="0" smtClean="0"/>
-              <a:t>şekildeki gibi olacaktır.</a:t>
+              <a:t>Ders kapsamında geliştirilecek olan örnek proje mimarisi şekildeki gibi olacaktır.</a:t>
             </a:r>
           </a:p>
           <a:p>
@@ -10524,11 +10498,7 @@
             <a:pPr algn="ctr"/>
             <a:r>
               <a:rPr lang="tr-TR" dirty="0" err="1" smtClean="0"/>
-              <a:t>DataAccess</a:t>
-            </a:r>
-            <a:r>
-              <a:rPr lang="tr-TR" dirty="0" err="1" smtClean="0"/>
-              <a:t>Layer</a:t>
+              <a:t>DataAccessLayer</a:t>
             </a:r>
             <a:endParaRPr lang="tr-TR" dirty="0"/>
           </a:p>
@@ -11019,12 +10989,8 @@
           <a:p>
             <a:pPr algn="ctr"/>
             <a:r>
-              <a:rPr lang="tr-TR" dirty="0" err="1" smtClean="0"/>
-              <a:t>Dumy</a:t>
-            </a:r>
-            <a:r>
               <a:rPr lang="tr-TR" dirty="0" smtClean="0"/>
-              <a:t> Data Generator</a:t>
+              <a:t>Dumy Data Generator</a:t>
             </a:r>
             <a:br>
               <a:rPr lang="tr-TR" dirty="0" smtClean="0"/>
@@ -11972,21 +11938,21 @@
 </file>
 
 <file path=customXml/item1.xml><?xml version="1.0" encoding="utf-8"?>
+<p:properties xmlns:p="http://schemas.microsoft.com/office/2006/metadata/properties" xmlns:xsi="http://www.w3.org/2001/XMLSchema-instance" xmlns:pc="http://schemas.microsoft.com/office/infopath/2007/PartnerControls">
+  <documentManagement>
+    <Status xmlns="71af3243-3dd4-4a8d-8c0d-dd76da1f02a5">Not started</Status>
+    <MediaServiceKeyPoints xmlns="71af3243-3dd4-4a8d-8c0d-dd76da1f02a5" xsi:nil="true"/>
+  </documentManagement>
+</p:properties>
+</file>
+
+<file path=customXml/item2.xml><?xml version="1.0" encoding="utf-8"?>
 <?mso-contentType ?>
 <FormTemplates xmlns="http://schemas.microsoft.com/sharepoint/v3/contenttype/forms">
   <Display>DocumentLibraryForm</Display>
   <Edit>DocumentLibraryForm</Edit>
   <New>DocumentLibraryForm</New>
 </FormTemplates>
-</file>
-
-<file path=customXml/item2.xml><?xml version="1.0" encoding="utf-8"?>
-<p:properties xmlns:p="http://schemas.microsoft.com/office/2006/metadata/properties" xmlns:xsi="http://www.w3.org/2001/XMLSchema-instance" xmlns:pc="http://schemas.microsoft.com/office/infopath/2007/PartnerControls">
-  <documentManagement>
-    <Status xmlns="71af3243-3dd4-4a8d-8c0d-dd76da1f02a5">Not started</Status>
-    <MediaServiceKeyPoints xmlns="71af3243-3dd4-4a8d-8c0d-dd76da1f02a5" xsi:nil="true"/>
-  </documentManagement>
-</p:properties>
 </file>
 
 <file path=customXml/item3.xml><?xml version="1.0" encoding="utf-8"?>
@@ -12211,14 +12177,6 @@
 </file>
 
 <file path=customXml/itemProps1.xml><?xml version="1.0" encoding="utf-8"?>
-<ds:datastoreItem xmlns:ds="http://schemas.openxmlformats.org/officeDocument/2006/customXml" ds:itemID="{7EE8C63A-4744-4DE4-BB49-0FF0B5375C60}">
-  <ds:schemaRefs>
-    <ds:schemaRef ds:uri="http://schemas.microsoft.com/sharepoint/v3/contenttype/forms"/>
-  </ds:schemaRefs>
-</ds:datastoreItem>
-</file>
-
-<file path=customXml/itemProps2.xml><?xml version="1.0" encoding="utf-8"?>
 <ds:datastoreItem xmlns:ds="http://schemas.openxmlformats.org/officeDocument/2006/customXml" ds:itemID="{950072C5-DDE0-4258-BA7A-4D4B80DFA632}">
   <ds:schemaRefs>
     <ds:schemaRef ds:uri="http://purl.org/dc/elements/1.1/"/>
@@ -12231,6 +12189,14 @@
     <ds:schemaRef ds:uri="16c05727-aa75-4e4a-9b5f-8a80a1165891"/>
     <ds:schemaRef ds:uri="http://purl.org/dc/dcmitype/"/>
     <ds:schemaRef ds:uri="http://purl.org/dc/terms/"/>
+  </ds:schemaRefs>
+</ds:datastoreItem>
+</file>
+
+<file path=customXml/itemProps2.xml><?xml version="1.0" encoding="utf-8"?>
+<ds:datastoreItem xmlns:ds="http://schemas.openxmlformats.org/officeDocument/2006/customXml" ds:itemID="{7EE8C63A-4744-4DE4-BB49-0FF0B5375C60}">
+  <ds:schemaRefs>
+    <ds:schemaRef ds:uri="http://schemas.microsoft.com/sharepoint/v3/contenttype/forms"/>
   </ds:schemaRefs>
 </ds:datastoreItem>
 </file>
